--- a/docs/songs_2025-04-20.pptx
+++ b/docs/songs_2025-04-20.pptx
@@ -5,7 +5,7 @@
     <p:sldMasterId id="2147483648" r:id="rId1"/>
   </p:sldMasterIdLst>
   <p:notesMasterIdLst>
-    <p:notesMasterId r:id="rId43"/>
+    <p:notesMasterId r:id="rId45"/>
   </p:notesMasterIdLst>
   <p:sldIdLst>
     <p:sldId id="950" r:id="rId2"/>
@@ -49,6 +49,8 @@
     <p:sldId id="1331" r:id="rId40"/>
     <p:sldId id="527" r:id="rId41"/>
     <p:sldId id="528" r:id="rId42"/>
+    <p:sldId id="954" r:id="rId43"/>
+    <p:sldId id="1122" r:id="rId44"/>
   </p:sldIdLst>
   <p:sldSz cx="9144000" cy="6858000" type="screen4x3"/>
   <p:notesSz cx="6858000" cy="9144000"/>
@@ -193,6 +195,8 @@
             <p14:sldId id="1331"/>
             <p14:sldId id="527"/>
             <p14:sldId id="528"/>
+            <p14:sldId id="954"/>
+            <p14:sldId id="1122"/>
           </p14:sldIdLst>
         </p14:section>
         <p14:section name="Main Service" id="{4FE2647C-705B-495A-AADF-8CE4EFF28E49}">
@@ -300,7 +304,7 @@
           <a:p>
             <a:fld id="{C57EAEFC-A9C7-464E-BE3F-33D4DD72E122}" type="datetimeFigureOut">
               <a:rPr lang="en-GB" smtClean="0"/>
-              <a:t>15/04/2025</a:t>
+              <a:t>19/04/2025</a:t>
             </a:fld>
             <a:endParaRPr lang="en-GB"/>
           </a:p>
@@ -712,6 +716,174 @@
 </p:notes>
 </file>
 
+<file path=ppt/notesSlides/notesSlide2.xml><?xml version="1.0" encoding="utf-8"?>
+<p:notes xmlns:a="http://schemas.openxmlformats.org/drawingml/2006/main" xmlns:r="http://schemas.openxmlformats.org/officeDocument/2006/relationships" xmlns:p="http://schemas.openxmlformats.org/presentationml/2006/main">
+  <p:cSld>
+    <p:spTree>
+      <p:nvGrpSpPr>
+        <p:cNvPr id="1" name=""/>
+        <p:cNvGrpSpPr/>
+        <p:nvPr/>
+      </p:nvGrpSpPr>
+      <p:grpSpPr>
+        <a:xfrm>
+          <a:off x="0" y="0"/>
+          <a:ext cx="0" cy="0"/>
+          <a:chOff x="0" y="0"/>
+          <a:chExt cx="0" cy="0"/>
+        </a:xfrm>
+      </p:grpSpPr>
+      <p:sp>
+        <p:nvSpPr>
+          <p:cNvPr id="2" name="Slide Image Placeholder 1"/>
+          <p:cNvSpPr>
+            <a:spLocks noGrp="1" noRot="1" noChangeAspect="1"/>
+          </p:cNvSpPr>
+          <p:nvPr>
+            <p:ph type="sldImg"/>
+          </p:nvPr>
+        </p:nvSpPr>
+        <p:spPr/>
+      </p:sp>
+      <p:sp>
+        <p:nvSpPr>
+          <p:cNvPr id="3" name="Notes Placeholder 2"/>
+          <p:cNvSpPr>
+            <a:spLocks noGrp="1"/>
+          </p:cNvSpPr>
+          <p:nvPr>
+            <p:ph type="body" idx="1"/>
+          </p:nvPr>
+        </p:nvSpPr>
+        <p:spPr/>
+        <p:txBody>
+          <a:bodyPr/>
+          <a:lstStyle/>
+          <a:p>
+            <a:endParaRPr lang="en-GB" dirty="0"/>
+          </a:p>
+        </p:txBody>
+      </p:sp>
+      <p:sp>
+        <p:nvSpPr>
+          <p:cNvPr id="4" name="Slide Number Placeholder 3"/>
+          <p:cNvSpPr>
+            <a:spLocks noGrp="1"/>
+          </p:cNvSpPr>
+          <p:nvPr>
+            <p:ph type="sldNum" sz="quarter" idx="5"/>
+          </p:nvPr>
+        </p:nvSpPr>
+        <p:spPr/>
+        <p:txBody>
+          <a:bodyPr/>
+          <a:lstStyle/>
+          <a:p>
+            <a:fld id="{E79B61DE-1D46-4752-AF65-FA2C4EB0D1D0}" type="slidenum">
+              <a:rPr lang="en-GB" smtClean="0"/>
+              <a:t>42</a:t>
+            </a:fld>
+            <a:endParaRPr lang="en-GB"/>
+          </a:p>
+        </p:txBody>
+      </p:sp>
+    </p:spTree>
+    <p:extLst>
+      <p:ext uri="{BB962C8B-B14F-4D97-AF65-F5344CB8AC3E}">
+        <p14:creationId xmlns:p14="http://schemas.microsoft.com/office/powerpoint/2010/main" val="3289083178"/>
+      </p:ext>
+    </p:extLst>
+  </p:cSld>
+  <p:clrMapOvr>
+    <a:masterClrMapping/>
+  </p:clrMapOvr>
+</p:notes>
+</file>
+
+<file path=ppt/notesSlides/notesSlide3.xml><?xml version="1.0" encoding="utf-8"?>
+<p:notes xmlns:a="http://schemas.openxmlformats.org/drawingml/2006/main" xmlns:r="http://schemas.openxmlformats.org/officeDocument/2006/relationships" xmlns:p="http://schemas.openxmlformats.org/presentationml/2006/main">
+  <p:cSld>
+    <p:spTree>
+      <p:nvGrpSpPr>
+        <p:cNvPr id="1" name=""/>
+        <p:cNvGrpSpPr/>
+        <p:nvPr/>
+      </p:nvGrpSpPr>
+      <p:grpSpPr>
+        <a:xfrm>
+          <a:off x="0" y="0"/>
+          <a:ext cx="0" cy="0"/>
+          <a:chOff x="0" y="0"/>
+          <a:chExt cx="0" cy="0"/>
+        </a:xfrm>
+      </p:grpSpPr>
+      <p:sp>
+        <p:nvSpPr>
+          <p:cNvPr id="2" name="Slide Image Placeholder 1"/>
+          <p:cNvSpPr>
+            <a:spLocks noGrp="1" noRot="1" noChangeAspect="1"/>
+          </p:cNvSpPr>
+          <p:nvPr>
+            <p:ph type="sldImg"/>
+          </p:nvPr>
+        </p:nvSpPr>
+        <p:spPr/>
+      </p:sp>
+      <p:sp>
+        <p:nvSpPr>
+          <p:cNvPr id="3" name="Notes Placeholder 2"/>
+          <p:cNvSpPr>
+            <a:spLocks noGrp="1"/>
+          </p:cNvSpPr>
+          <p:nvPr>
+            <p:ph type="body" idx="1"/>
+          </p:nvPr>
+        </p:nvSpPr>
+        <p:spPr/>
+        <p:txBody>
+          <a:bodyPr/>
+          <a:lstStyle/>
+          <a:p>
+            <a:endParaRPr lang="en-GB" dirty="0"/>
+          </a:p>
+        </p:txBody>
+      </p:sp>
+      <p:sp>
+        <p:nvSpPr>
+          <p:cNvPr id="4" name="Slide Number Placeholder 3"/>
+          <p:cNvSpPr>
+            <a:spLocks noGrp="1"/>
+          </p:cNvSpPr>
+          <p:nvPr>
+            <p:ph type="sldNum" sz="quarter" idx="5"/>
+          </p:nvPr>
+        </p:nvSpPr>
+        <p:spPr/>
+        <p:txBody>
+          <a:bodyPr/>
+          <a:lstStyle/>
+          <a:p>
+            <a:fld id="{E79B61DE-1D46-4752-AF65-FA2C4EB0D1D0}" type="slidenum">
+              <a:rPr lang="en-GB" smtClean="0"/>
+              <a:t>43</a:t>
+            </a:fld>
+            <a:endParaRPr lang="en-GB"/>
+          </a:p>
+        </p:txBody>
+      </p:sp>
+    </p:spTree>
+    <p:extLst>
+      <p:ext uri="{BB962C8B-B14F-4D97-AF65-F5344CB8AC3E}">
+        <p14:creationId xmlns:p14="http://schemas.microsoft.com/office/powerpoint/2010/main" val="2470232874"/>
+      </p:ext>
+    </p:extLst>
+  </p:cSld>
+  <p:clrMapOvr>
+    <a:masterClrMapping/>
+  </p:clrMapOvr>
+</p:notes>
+</file>
+
 <file path=ppt/slideLayouts/slideLayout1.xml><?xml version="1.0" encoding="utf-8"?>
 <p:sldLayout xmlns:a="http://schemas.openxmlformats.org/drawingml/2006/main" xmlns:r="http://schemas.openxmlformats.org/officeDocument/2006/relationships" xmlns:p="http://schemas.openxmlformats.org/presentationml/2006/main" type="title" preserve="1">
   <p:cSld name="Title Slide">
@@ -892,7 +1064,7 @@
             <a:fld id="{26EA1CF3-4A15-4CBF-9A5A-6A56C368BE71}" type="datetimeFigureOut">
               <a:rPr lang="en-GB" smtClean="0"/>
               <a:pPr/>
-              <a:t>15/04/2025</a:t>
+              <a:t>19/04/2025</a:t>
             </a:fld>
             <a:endParaRPr lang="en-GB"/>
           </a:p>
@@ -1057,7 +1229,7 @@
             <a:fld id="{26EA1CF3-4A15-4CBF-9A5A-6A56C368BE71}" type="datetimeFigureOut">
               <a:rPr lang="en-GB" smtClean="0"/>
               <a:pPr/>
-              <a:t>15/04/2025</a:t>
+              <a:t>19/04/2025</a:t>
             </a:fld>
             <a:endParaRPr lang="en-GB"/>
           </a:p>
@@ -1232,7 +1404,7 @@
             <a:fld id="{26EA1CF3-4A15-4CBF-9A5A-6A56C368BE71}" type="datetimeFigureOut">
               <a:rPr lang="en-GB" smtClean="0"/>
               <a:pPr/>
-              <a:t>15/04/2025</a:t>
+              <a:t>19/04/2025</a:t>
             </a:fld>
             <a:endParaRPr lang="en-GB"/>
           </a:p>
@@ -1399,7 +1571,7 @@
             <a:fld id="{26EA1CF3-4A15-4CBF-9A5A-6A56C368BE71}" type="datetimeFigureOut">
               <a:rPr lang="en-GB" smtClean="0"/>
               <a:pPr/>
-              <a:t>15/04/2025</a:t>
+              <a:t>19/04/2025</a:t>
             </a:fld>
             <a:endParaRPr lang="en-GB"/>
           </a:p>
@@ -1641,7 +1813,7 @@
             <a:fld id="{26EA1CF3-4A15-4CBF-9A5A-6A56C368BE71}" type="datetimeFigureOut">
               <a:rPr lang="en-GB" smtClean="0"/>
               <a:pPr/>
-              <a:t>15/04/2025</a:t>
+              <a:t>19/04/2025</a:t>
             </a:fld>
             <a:endParaRPr lang="en-GB"/>
           </a:p>
@@ -1923,7 +2095,7 @@
             <a:fld id="{26EA1CF3-4A15-4CBF-9A5A-6A56C368BE71}" type="datetimeFigureOut">
               <a:rPr lang="en-GB" smtClean="0"/>
               <a:pPr/>
-              <a:t>15/04/2025</a:t>
+              <a:t>19/04/2025</a:t>
             </a:fld>
             <a:endParaRPr lang="en-GB"/>
           </a:p>
@@ -2339,7 +2511,7 @@
             <a:fld id="{26EA1CF3-4A15-4CBF-9A5A-6A56C368BE71}" type="datetimeFigureOut">
               <a:rPr lang="en-GB" smtClean="0"/>
               <a:pPr/>
-              <a:t>15/04/2025</a:t>
+              <a:t>19/04/2025</a:t>
             </a:fld>
             <a:endParaRPr lang="en-GB"/>
           </a:p>
@@ -2453,7 +2625,7 @@
             <a:fld id="{26EA1CF3-4A15-4CBF-9A5A-6A56C368BE71}" type="datetimeFigureOut">
               <a:rPr lang="en-GB" smtClean="0"/>
               <a:pPr/>
-              <a:t>15/04/2025</a:t>
+              <a:t>19/04/2025</a:t>
             </a:fld>
             <a:endParaRPr lang="en-GB"/>
           </a:p>
@@ -2545,7 +2717,7 @@
             <a:fld id="{26EA1CF3-4A15-4CBF-9A5A-6A56C368BE71}" type="datetimeFigureOut">
               <a:rPr lang="en-GB" smtClean="0"/>
               <a:pPr/>
-              <a:t>15/04/2025</a:t>
+              <a:t>19/04/2025</a:t>
             </a:fld>
             <a:endParaRPr lang="en-GB"/>
           </a:p>
@@ -2817,7 +2989,7 @@
             <a:fld id="{26EA1CF3-4A15-4CBF-9A5A-6A56C368BE71}" type="datetimeFigureOut">
               <a:rPr lang="en-GB" smtClean="0"/>
               <a:pPr/>
-              <a:t>15/04/2025</a:t>
+              <a:t>19/04/2025</a:t>
             </a:fld>
             <a:endParaRPr lang="en-GB"/>
           </a:p>
@@ -3069,7 +3241,7 @@
             <a:fld id="{26EA1CF3-4A15-4CBF-9A5A-6A56C368BE71}" type="datetimeFigureOut">
               <a:rPr lang="en-GB" smtClean="0"/>
               <a:pPr/>
-              <a:t>15/04/2025</a:t>
+              <a:t>19/04/2025</a:t>
             </a:fld>
             <a:endParaRPr lang="en-GB"/>
           </a:p>
@@ -3278,7 +3450,7 @@
             <a:fld id="{26EA1CF3-4A15-4CBF-9A5A-6A56C368BE71}" type="datetimeFigureOut">
               <a:rPr lang="en-GB" smtClean="0"/>
               <a:pPr/>
-              <a:t>15/04/2025</a:t>
+              <a:t>19/04/2025</a:t>
             </a:fld>
             <a:endParaRPr lang="en-GB"/>
           </a:p>
@@ -9631,6 +9803,587 @@
     <p:extLst>
       <p:ext uri="{BB962C8B-B14F-4D97-AF65-F5344CB8AC3E}">
         <p14:creationId xmlns:p14="http://schemas.microsoft.com/office/powerpoint/2010/main" val="2508175344"/>
+      </p:ext>
+    </p:extLst>
+  </p:cSld>
+  <p:clrMapOvr>
+    <a:masterClrMapping/>
+  </p:clrMapOvr>
+</p:sld>
+</file>
+
+<file path=ppt/slides/slide42.xml><?xml version="1.0" encoding="utf-8"?>
+<p:sld xmlns:a="http://schemas.openxmlformats.org/drawingml/2006/main" xmlns:r="http://schemas.openxmlformats.org/officeDocument/2006/relationships" xmlns:p="http://schemas.openxmlformats.org/presentationml/2006/main">
+  <p:cSld>
+    <p:spTree>
+      <p:nvGrpSpPr>
+        <p:cNvPr id="1" name=""/>
+        <p:cNvGrpSpPr/>
+        <p:nvPr/>
+      </p:nvGrpSpPr>
+      <p:grpSpPr>
+        <a:xfrm>
+          <a:off x="0" y="0"/>
+          <a:ext cx="0" cy="0"/>
+          <a:chOff x="0" y="0"/>
+          <a:chExt cx="0" cy="0"/>
+        </a:xfrm>
+      </p:grpSpPr>
+      <p:sp>
+        <p:nvSpPr>
+          <p:cNvPr id="2" name="Title 1">
+            <a:extLst>
+              <a:ext uri="{FF2B5EF4-FFF2-40B4-BE49-F238E27FC236}">
+                <a16:creationId xmlns:a16="http://schemas.microsoft.com/office/drawing/2014/main" id="{8D906D2A-5E68-F15C-89E4-2DBC4F4793A3}"/>
+              </a:ext>
+            </a:extLst>
+          </p:cNvPr>
+          <p:cNvSpPr txBox="1">
+            <a:spLocks/>
+          </p:cNvSpPr>
+          <p:nvPr/>
+        </p:nvSpPr>
+        <p:spPr bwMode="auto">
+          <a:xfrm>
+            <a:off x="457200" y="836712"/>
+            <a:ext cx="8229600" cy="489346"/>
+          </a:xfrm>
+          <a:prstGeom prst="rect">
+            <a:avLst/>
+          </a:prstGeom>
+          <a:noFill/>
+          <a:ln>
+            <a:noFill/>
+          </a:ln>
+          <a:extLst>
+            <a:ext uri="{909E8E84-426E-40DD-AFC4-6F175D3DCCD1}">
+              <a14:hiddenFill xmlns:a14="http://schemas.microsoft.com/office/drawing/2010/main">
+                <a:solidFill>
+                  <a:srgbClr val="FFFFFF"/>
+                </a:solidFill>
+              </a14:hiddenFill>
+            </a:ext>
+            <a:ext uri="{91240B29-F687-4F45-9708-019B960494DF}">
+              <a14:hiddenLine xmlns:a14="http://schemas.microsoft.com/office/drawing/2010/main" w="9525">
+                <a:solidFill>
+                  <a:srgbClr val="000000"/>
+                </a:solidFill>
+                <a:miter lim="800000"/>
+                <a:headEnd/>
+                <a:tailEnd/>
+              </a14:hiddenLine>
+            </a:ext>
+          </a:extLst>
+        </p:spPr>
+        <p:txBody>
+          <a:bodyPr vert="horz" wrap="square" lIns="91440" tIns="45720" rIns="91440" bIns="45720" numCol="1" anchor="ctr" anchorCtr="0" compatLnSpc="1">
+            <a:prstTxWarp prst="textNoShape">
+              <a:avLst/>
+            </a:prstTxWarp>
+            <a:normAutofit fontScale="90000" lnSpcReduction="10000"/>
+          </a:bodyPr>
+          <a:lstStyle>
+            <a:lvl1pPr algn="l" defTabSz="457200" rtl="0" eaLnBrk="1" fontAlgn="base" hangingPunct="1">
+              <a:spcBef>
+                <a:spcPct val="0"/>
+              </a:spcBef>
+              <a:spcAft>
+                <a:spcPct val="0"/>
+              </a:spcAft>
+              <a:defRPr sz="3200" kern="1200">
+                <a:solidFill>
+                  <a:srgbClr val="58595B"/>
+                </a:solidFill>
+                <a:latin typeface="Rockwell"/>
+                <a:ea typeface="+mj-ea"/>
+                <a:cs typeface="+mj-cs"/>
+              </a:defRPr>
+            </a:lvl1pPr>
+            <a:lvl2pPr algn="l" defTabSz="457200" rtl="0" eaLnBrk="1" fontAlgn="base" hangingPunct="1">
+              <a:spcBef>
+                <a:spcPct val="0"/>
+              </a:spcBef>
+              <a:spcAft>
+                <a:spcPct val="0"/>
+              </a:spcAft>
+              <a:defRPr sz="4400">
+                <a:solidFill>
+                  <a:srgbClr val="58595B"/>
+                </a:solidFill>
+                <a:latin typeface="Rockwell" panose="02060603020205020403" pitchFamily="18" charset="0"/>
+              </a:defRPr>
+            </a:lvl2pPr>
+            <a:lvl3pPr algn="l" defTabSz="457200" rtl="0" eaLnBrk="1" fontAlgn="base" hangingPunct="1">
+              <a:spcBef>
+                <a:spcPct val="0"/>
+              </a:spcBef>
+              <a:spcAft>
+                <a:spcPct val="0"/>
+              </a:spcAft>
+              <a:defRPr sz="4400">
+                <a:solidFill>
+                  <a:srgbClr val="58595B"/>
+                </a:solidFill>
+                <a:latin typeface="Rockwell" panose="02060603020205020403" pitchFamily="18" charset="0"/>
+              </a:defRPr>
+            </a:lvl3pPr>
+            <a:lvl4pPr algn="l" defTabSz="457200" rtl="0" eaLnBrk="1" fontAlgn="base" hangingPunct="1">
+              <a:spcBef>
+                <a:spcPct val="0"/>
+              </a:spcBef>
+              <a:spcAft>
+                <a:spcPct val="0"/>
+              </a:spcAft>
+              <a:defRPr sz="4400">
+                <a:solidFill>
+                  <a:srgbClr val="58595B"/>
+                </a:solidFill>
+                <a:latin typeface="Rockwell" panose="02060603020205020403" pitchFamily="18" charset="0"/>
+              </a:defRPr>
+            </a:lvl4pPr>
+            <a:lvl5pPr algn="l" defTabSz="457200" rtl="0" eaLnBrk="1" fontAlgn="base" hangingPunct="1">
+              <a:spcBef>
+                <a:spcPct val="0"/>
+              </a:spcBef>
+              <a:spcAft>
+                <a:spcPct val="0"/>
+              </a:spcAft>
+              <a:defRPr sz="4400">
+                <a:solidFill>
+                  <a:srgbClr val="58595B"/>
+                </a:solidFill>
+                <a:latin typeface="Rockwell" panose="02060603020205020403" pitchFamily="18" charset="0"/>
+              </a:defRPr>
+            </a:lvl5pPr>
+            <a:lvl6pPr marL="457200" algn="l" defTabSz="457200" rtl="0" eaLnBrk="1" fontAlgn="base" hangingPunct="1">
+              <a:spcBef>
+                <a:spcPct val="0"/>
+              </a:spcBef>
+              <a:spcAft>
+                <a:spcPct val="0"/>
+              </a:spcAft>
+              <a:defRPr sz="4400">
+                <a:solidFill>
+                  <a:srgbClr val="58595B"/>
+                </a:solidFill>
+                <a:latin typeface="Rockwell" panose="02060603020205020403" pitchFamily="18" charset="0"/>
+              </a:defRPr>
+            </a:lvl6pPr>
+            <a:lvl7pPr marL="914400" algn="l" defTabSz="457200" rtl="0" eaLnBrk="1" fontAlgn="base" hangingPunct="1">
+              <a:spcBef>
+                <a:spcPct val="0"/>
+              </a:spcBef>
+              <a:spcAft>
+                <a:spcPct val="0"/>
+              </a:spcAft>
+              <a:defRPr sz="4400">
+                <a:solidFill>
+                  <a:srgbClr val="58595B"/>
+                </a:solidFill>
+                <a:latin typeface="Rockwell" panose="02060603020205020403" pitchFamily="18" charset="0"/>
+              </a:defRPr>
+            </a:lvl7pPr>
+            <a:lvl8pPr marL="1371600" algn="l" defTabSz="457200" rtl="0" eaLnBrk="1" fontAlgn="base" hangingPunct="1">
+              <a:spcBef>
+                <a:spcPct val="0"/>
+              </a:spcBef>
+              <a:spcAft>
+                <a:spcPct val="0"/>
+              </a:spcAft>
+              <a:defRPr sz="4400">
+                <a:solidFill>
+                  <a:srgbClr val="58595B"/>
+                </a:solidFill>
+                <a:latin typeface="Rockwell" panose="02060603020205020403" pitchFamily="18" charset="0"/>
+              </a:defRPr>
+            </a:lvl8pPr>
+            <a:lvl9pPr marL="1828800" algn="l" defTabSz="457200" rtl="0" eaLnBrk="1" fontAlgn="base" hangingPunct="1">
+              <a:spcBef>
+                <a:spcPct val="0"/>
+              </a:spcBef>
+              <a:spcAft>
+                <a:spcPct val="0"/>
+              </a:spcAft>
+              <a:defRPr sz="4400">
+                <a:solidFill>
+                  <a:srgbClr val="58595B"/>
+                </a:solidFill>
+                <a:latin typeface="Rockwell" panose="02060603020205020403" pitchFamily="18" charset="0"/>
+              </a:defRPr>
+            </a:lvl9pPr>
+          </a:lstStyle>
+          <a:p>
+            <a:pPr marL="0" marR="0" lvl="0" indent="0" algn="l" defTabSz="457200" rtl="0" eaLnBrk="1" fontAlgn="base" latinLnBrk="0" hangingPunct="1">
+              <a:lnSpc>
+                <a:spcPct val="100000"/>
+              </a:lnSpc>
+              <a:spcBef>
+                <a:spcPct val="0"/>
+              </a:spcBef>
+              <a:spcAft>
+                <a:spcPct val="0"/>
+              </a:spcAft>
+              <a:buClrTx/>
+              <a:buSzTx/>
+              <a:buFontTx/>
+              <a:buNone/>
+              <a:tabLst/>
+              <a:defRPr/>
+            </a:pPr>
+            <a:endParaRPr kumimoji="0" lang="en-GB" sz="3200" b="0" i="0" u="none" strike="noStrike" kern="1200" cap="none" spc="0" normalizeH="0" baseline="0" noProof="0" dirty="0">
+              <a:ln>
+                <a:noFill/>
+              </a:ln>
+              <a:solidFill>
+                <a:schemeClr val="bg1"/>
+              </a:solidFill>
+              <a:effectLst/>
+              <a:uLnTx/>
+              <a:uFillTx/>
+              <a:latin typeface="Rockwell"/>
+              <a:ea typeface="+mj-ea"/>
+              <a:cs typeface="+mj-cs"/>
+            </a:endParaRPr>
+          </a:p>
+        </p:txBody>
+      </p:sp>
+      <p:sp>
+        <p:nvSpPr>
+          <p:cNvPr id="4" name="Title 1">
+            <a:extLst>
+              <a:ext uri="{FF2B5EF4-FFF2-40B4-BE49-F238E27FC236}">
+                <a16:creationId xmlns:a16="http://schemas.microsoft.com/office/drawing/2014/main" id="{89C6AC8B-4AF1-9B45-6683-F14ED4AE0E1F}"/>
+              </a:ext>
+            </a:extLst>
+          </p:cNvPr>
+          <p:cNvSpPr txBox="1">
+            <a:spLocks/>
+          </p:cNvSpPr>
+          <p:nvPr/>
+        </p:nvSpPr>
+        <p:spPr bwMode="auto">
+          <a:xfrm>
+            <a:off x="435852" y="1484784"/>
+            <a:ext cx="8229600" cy="4680520"/>
+          </a:xfrm>
+          <a:prstGeom prst="rect">
+            <a:avLst/>
+          </a:prstGeom>
+          <a:noFill/>
+          <a:ln>
+            <a:noFill/>
+          </a:ln>
+          <a:extLst>
+            <a:ext uri="{909E8E84-426E-40DD-AFC4-6F175D3DCCD1}">
+              <a14:hiddenFill xmlns:a14="http://schemas.microsoft.com/office/drawing/2010/main">
+                <a:solidFill>
+                  <a:srgbClr val="FFFFFF"/>
+                </a:solidFill>
+              </a14:hiddenFill>
+            </a:ext>
+            <a:ext uri="{91240B29-F687-4F45-9708-019B960494DF}">
+              <a14:hiddenLine xmlns:a14="http://schemas.microsoft.com/office/drawing/2010/main" w="9525">
+                <a:solidFill>
+                  <a:srgbClr val="000000"/>
+                </a:solidFill>
+                <a:miter lim="800000"/>
+                <a:headEnd/>
+                <a:tailEnd/>
+              </a14:hiddenLine>
+            </a:ext>
+          </a:extLst>
+        </p:spPr>
+        <p:txBody>
+          <a:bodyPr vert="horz" wrap="square" lIns="91440" tIns="45720" rIns="91440" bIns="45720" numCol="1" anchor="ctr" anchorCtr="0" compatLnSpc="1">
+            <a:prstTxWarp prst="textNoShape">
+              <a:avLst/>
+            </a:prstTxWarp>
+            <a:normAutofit/>
+          </a:bodyPr>
+          <a:lstStyle>
+            <a:lvl1pPr algn="l" defTabSz="457200" rtl="0" eaLnBrk="1" fontAlgn="base" hangingPunct="1">
+              <a:spcBef>
+                <a:spcPct val="0"/>
+              </a:spcBef>
+              <a:spcAft>
+                <a:spcPct val="0"/>
+              </a:spcAft>
+              <a:defRPr sz="3200" kern="1200">
+                <a:solidFill>
+                  <a:srgbClr val="58595B"/>
+                </a:solidFill>
+                <a:latin typeface="Rockwell"/>
+                <a:ea typeface="+mj-ea"/>
+                <a:cs typeface="+mj-cs"/>
+              </a:defRPr>
+            </a:lvl1pPr>
+            <a:lvl2pPr algn="l" defTabSz="457200" rtl="0" eaLnBrk="1" fontAlgn="base" hangingPunct="1">
+              <a:spcBef>
+                <a:spcPct val="0"/>
+              </a:spcBef>
+              <a:spcAft>
+                <a:spcPct val="0"/>
+              </a:spcAft>
+              <a:defRPr sz="4400">
+                <a:solidFill>
+                  <a:srgbClr val="58595B"/>
+                </a:solidFill>
+                <a:latin typeface="Rockwell" panose="02060603020205020403" pitchFamily="18" charset="0"/>
+              </a:defRPr>
+            </a:lvl2pPr>
+            <a:lvl3pPr algn="l" defTabSz="457200" rtl="0" eaLnBrk="1" fontAlgn="base" hangingPunct="1">
+              <a:spcBef>
+                <a:spcPct val="0"/>
+              </a:spcBef>
+              <a:spcAft>
+                <a:spcPct val="0"/>
+              </a:spcAft>
+              <a:defRPr sz="4400">
+                <a:solidFill>
+                  <a:srgbClr val="58595B"/>
+                </a:solidFill>
+                <a:latin typeface="Rockwell" panose="02060603020205020403" pitchFamily="18" charset="0"/>
+              </a:defRPr>
+            </a:lvl3pPr>
+            <a:lvl4pPr algn="l" defTabSz="457200" rtl="0" eaLnBrk="1" fontAlgn="base" hangingPunct="1">
+              <a:spcBef>
+                <a:spcPct val="0"/>
+              </a:spcBef>
+              <a:spcAft>
+                <a:spcPct val="0"/>
+              </a:spcAft>
+              <a:defRPr sz="4400">
+                <a:solidFill>
+                  <a:srgbClr val="58595B"/>
+                </a:solidFill>
+                <a:latin typeface="Rockwell" panose="02060603020205020403" pitchFamily="18" charset="0"/>
+              </a:defRPr>
+            </a:lvl4pPr>
+            <a:lvl5pPr algn="l" defTabSz="457200" rtl="0" eaLnBrk="1" fontAlgn="base" hangingPunct="1">
+              <a:spcBef>
+                <a:spcPct val="0"/>
+              </a:spcBef>
+              <a:spcAft>
+                <a:spcPct val="0"/>
+              </a:spcAft>
+              <a:defRPr sz="4400">
+                <a:solidFill>
+                  <a:srgbClr val="58595B"/>
+                </a:solidFill>
+                <a:latin typeface="Rockwell" panose="02060603020205020403" pitchFamily="18" charset="0"/>
+              </a:defRPr>
+            </a:lvl5pPr>
+            <a:lvl6pPr marL="457200" algn="l" defTabSz="457200" rtl="0" eaLnBrk="1" fontAlgn="base" hangingPunct="1">
+              <a:spcBef>
+                <a:spcPct val="0"/>
+              </a:spcBef>
+              <a:spcAft>
+                <a:spcPct val="0"/>
+              </a:spcAft>
+              <a:defRPr sz="4400">
+                <a:solidFill>
+                  <a:srgbClr val="58595B"/>
+                </a:solidFill>
+                <a:latin typeface="Rockwell" panose="02060603020205020403" pitchFamily="18" charset="0"/>
+              </a:defRPr>
+            </a:lvl6pPr>
+            <a:lvl7pPr marL="914400" algn="l" defTabSz="457200" rtl="0" eaLnBrk="1" fontAlgn="base" hangingPunct="1">
+              <a:spcBef>
+                <a:spcPct val="0"/>
+              </a:spcBef>
+              <a:spcAft>
+                <a:spcPct val="0"/>
+              </a:spcAft>
+              <a:defRPr sz="4400">
+                <a:solidFill>
+                  <a:srgbClr val="58595B"/>
+                </a:solidFill>
+                <a:latin typeface="Rockwell" panose="02060603020205020403" pitchFamily="18" charset="0"/>
+              </a:defRPr>
+            </a:lvl7pPr>
+            <a:lvl8pPr marL="1371600" algn="l" defTabSz="457200" rtl="0" eaLnBrk="1" fontAlgn="base" hangingPunct="1">
+              <a:spcBef>
+                <a:spcPct val="0"/>
+              </a:spcBef>
+              <a:spcAft>
+                <a:spcPct val="0"/>
+              </a:spcAft>
+              <a:defRPr sz="4400">
+                <a:solidFill>
+                  <a:srgbClr val="58595B"/>
+                </a:solidFill>
+                <a:latin typeface="Rockwell" panose="02060603020205020403" pitchFamily="18" charset="0"/>
+              </a:defRPr>
+            </a:lvl8pPr>
+            <a:lvl9pPr marL="1828800" algn="l" defTabSz="457200" rtl="0" eaLnBrk="1" fontAlgn="base" hangingPunct="1">
+              <a:spcBef>
+                <a:spcPct val="0"/>
+              </a:spcBef>
+              <a:spcAft>
+                <a:spcPct val="0"/>
+              </a:spcAft>
+              <a:defRPr sz="4400">
+                <a:solidFill>
+                  <a:srgbClr val="58595B"/>
+                </a:solidFill>
+                <a:latin typeface="Rockwell" panose="02060603020205020403" pitchFamily="18" charset="0"/>
+              </a:defRPr>
+            </a:lvl9pPr>
+          </a:lstStyle>
+          <a:p>
+            <a:pPr marL="0" marR="0" lvl="0" indent="0" algn="ctr" defTabSz="457200" rtl="0" eaLnBrk="1" fontAlgn="base" latinLnBrk="0" hangingPunct="1">
+              <a:lnSpc>
+                <a:spcPct val="100000"/>
+              </a:lnSpc>
+              <a:spcBef>
+                <a:spcPct val="0"/>
+              </a:spcBef>
+              <a:spcAft>
+                <a:spcPct val="0"/>
+              </a:spcAft>
+              <a:buClrTx/>
+              <a:buSzTx/>
+              <a:buFontTx/>
+              <a:buNone/>
+              <a:tabLst/>
+              <a:defRPr/>
+            </a:pPr>
+            <a:endParaRPr kumimoji="0" lang="en-GB" sz="3200" b="0" i="0" u="none" strike="noStrike" kern="1200" cap="none" spc="0" normalizeH="0" baseline="0" noProof="0" dirty="0">
+              <a:ln>
+                <a:noFill/>
+              </a:ln>
+              <a:solidFill>
+                <a:schemeClr val="bg1"/>
+              </a:solidFill>
+              <a:effectLst/>
+              <a:uLnTx/>
+              <a:uFillTx/>
+              <a:latin typeface="Rockwell"/>
+              <a:ea typeface="+mj-ea"/>
+              <a:cs typeface="+mj-cs"/>
+            </a:endParaRPr>
+          </a:p>
+        </p:txBody>
+      </p:sp>
+      <p:pic>
+        <p:nvPicPr>
+          <p:cNvPr id="7170" name="Picture 2" descr="Ainsdale Methodist Church Notices">
+            <a:extLst>
+              <a:ext uri="{FF2B5EF4-FFF2-40B4-BE49-F238E27FC236}">
+                <a16:creationId xmlns:a16="http://schemas.microsoft.com/office/drawing/2014/main" id="{3EEB5152-0F8F-378F-8135-B603334301E5}"/>
+              </a:ext>
+            </a:extLst>
+          </p:cNvPr>
+          <p:cNvPicPr>
+            <a:picLocks noChangeAspect="1" noChangeArrowheads="1"/>
+          </p:cNvPicPr>
+          <p:nvPr/>
+        </p:nvPicPr>
+        <p:blipFill>
+          <a:blip r:embed="rId3">
+            <a:extLst>
+              <a:ext uri="{28A0092B-C50C-407E-A947-70E740481C1C}">
+                <a14:useLocalDpi xmlns:a14="http://schemas.microsoft.com/office/drawing/2010/main" val="0"/>
+              </a:ext>
+            </a:extLst>
+          </a:blip>
+          <a:srcRect/>
+          <a:stretch>
+            <a:fillRect/>
+          </a:stretch>
+        </p:blipFill>
+        <p:spPr bwMode="auto">
+          <a:xfrm>
+            <a:off x="0" y="1027113"/>
+            <a:ext cx="9144000" cy="4803775"/>
+          </a:xfrm>
+          <a:prstGeom prst="rect">
+            <a:avLst/>
+          </a:prstGeom>
+          <a:noFill/>
+          <a:extLst>
+            <a:ext uri="{909E8E84-426E-40DD-AFC4-6F175D3DCCD1}">
+              <a14:hiddenFill xmlns:a14="http://schemas.microsoft.com/office/drawing/2010/main">
+                <a:solidFill>
+                  <a:srgbClr val="FFFFFF"/>
+                </a:solidFill>
+              </a14:hiddenFill>
+            </a:ext>
+          </a:extLst>
+        </p:spPr>
+      </p:pic>
+    </p:spTree>
+    <p:extLst>
+      <p:ext uri="{BB962C8B-B14F-4D97-AF65-F5344CB8AC3E}">
+        <p14:creationId xmlns:p14="http://schemas.microsoft.com/office/powerpoint/2010/main" val="1234182153"/>
+      </p:ext>
+    </p:extLst>
+  </p:cSld>
+  <p:clrMapOvr>
+    <a:masterClrMapping/>
+  </p:clrMapOvr>
+</p:sld>
+</file>
+
+<file path=ppt/slides/slide43.xml><?xml version="1.0" encoding="utf-8"?>
+<p:sld xmlns:a="http://schemas.openxmlformats.org/drawingml/2006/main" xmlns:r="http://schemas.openxmlformats.org/officeDocument/2006/relationships" xmlns:p="http://schemas.openxmlformats.org/presentationml/2006/main">
+  <p:cSld>
+    <p:spTree>
+      <p:nvGrpSpPr>
+        <p:cNvPr id="1" name=""/>
+        <p:cNvGrpSpPr/>
+        <p:nvPr/>
+      </p:nvGrpSpPr>
+      <p:grpSpPr>
+        <a:xfrm>
+          <a:off x="0" y="0"/>
+          <a:ext cx="0" cy="0"/>
+          <a:chOff x="0" y="0"/>
+          <a:chExt cx="0" cy="0"/>
+        </a:xfrm>
+      </p:grpSpPr>
+      <p:pic>
+        <p:nvPicPr>
+          <p:cNvPr id="1026" name="Picture 2" descr="Preach the Word#6. “Broken preachers.” – Morningside church of Christ">
+            <a:extLst>
+              <a:ext uri="{FF2B5EF4-FFF2-40B4-BE49-F238E27FC236}">
+                <a16:creationId xmlns:a16="http://schemas.microsoft.com/office/drawing/2014/main" id="{2AA83B72-9961-C11B-4973-8C7748297C87}"/>
+              </a:ext>
+            </a:extLst>
+          </p:cNvPr>
+          <p:cNvPicPr>
+            <a:picLocks noChangeAspect="1" noChangeArrowheads="1"/>
+          </p:cNvPicPr>
+          <p:nvPr/>
+        </p:nvPicPr>
+        <p:blipFill rotWithShape="1">
+          <a:blip r:embed="rId3">
+            <a:extLst>
+              <a:ext uri="{28A0092B-C50C-407E-A947-70E740481C1C}">
+                <a14:useLocalDpi xmlns:a14="http://schemas.microsoft.com/office/drawing/2010/main" val="0"/>
+              </a:ext>
+            </a:extLst>
+          </a:blip>
+          <a:srcRect t="6390"/>
+          <a:stretch/>
+        </p:blipFill>
+        <p:spPr bwMode="auto">
+          <a:xfrm>
+            <a:off x="539552" y="1052736"/>
+            <a:ext cx="8229600" cy="4525963"/>
+          </a:xfrm>
+          <a:prstGeom prst="rect">
+            <a:avLst/>
+          </a:prstGeom>
+          <a:solidFill>
+            <a:srgbClr val="FFFFFF"/>
+          </a:solidFill>
+        </p:spPr>
+      </p:pic>
+    </p:spTree>
+    <p:extLst>
+      <p:ext uri="{BB962C8B-B14F-4D97-AF65-F5344CB8AC3E}">
+        <p14:creationId xmlns:p14="http://schemas.microsoft.com/office/powerpoint/2010/main" val="3038589890"/>
       </p:ext>
     </p:extLst>
   </p:cSld>
